--- a/Report.pptx
+++ b/Report.pptx
@@ -261,7 +261,7 @@
           <a:p>
             <a:fld id="{96E9B245-2076-40CB-ACDE-D58775C98695}" type="datetimeFigureOut">
               <a:rPr lang="ko-KR" altLang="en-US" smtClean="0"/>
-              <a:t>2020-11-22</a:t>
+              <a:t>2020-11-25</a:t>
             </a:fld>
             <a:endParaRPr lang="ko-KR" altLang="en-US"/>
           </a:p>
@@ -459,7 +459,7 @@
           <a:p>
             <a:fld id="{96E9B245-2076-40CB-ACDE-D58775C98695}" type="datetimeFigureOut">
               <a:rPr lang="ko-KR" altLang="en-US" smtClean="0"/>
-              <a:t>2020-11-22</a:t>
+              <a:t>2020-11-25</a:t>
             </a:fld>
             <a:endParaRPr lang="ko-KR" altLang="en-US"/>
           </a:p>
@@ -667,7 +667,7 @@
           <a:p>
             <a:fld id="{96E9B245-2076-40CB-ACDE-D58775C98695}" type="datetimeFigureOut">
               <a:rPr lang="ko-KR" altLang="en-US" smtClean="0"/>
-              <a:t>2020-11-22</a:t>
+              <a:t>2020-11-25</a:t>
             </a:fld>
             <a:endParaRPr lang="ko-KR" altLang="en-US"/>
           </a:p>
@@ -865,7 +865,7 @@
           <a:p>
             <a:fld id="{96E9B245-2076-40CB-ACDE-D58775C98695}" type="datetimeFigureOut">
               <a:rPr lang="ko-KR" altLang="en-US" smtClean="0"/>
-              <a:t>2020-11-22</a:t>
+              <a:t>2020-11-25</a:t>
             </a:fld>
             <a:endParaRPr lang="ko-KR" altLang="en-US"/>
           </a:p>
@@ -1140,7 +1140,7 @@
           <a:p>
             <a:fld id="{96E9B245-2076-40CB-ACDE-D58775C98695}" type="datetimeFigureOut">
               <a:rPr lang="ko-KR" altLang="en-US" smtClean="0"/>
-              <a:t>2020-11-22</a:t>
+              <a:t>2020-11-25</a:t>
             </a:fld>
             <a:endParaRPr lang="ko-KR" altLang="en-US"/>
           </a:p>
@@ -1405,7 +1405,7 @@
           <a:p>
             <a:fld id="{96E9B245-2076-40CB-ACDE-D58775C98695}" type="datetimeFigureOut">
               <a:rPr lang="ko-KR" altLang="en-US" smtClean="0"/>
-              <a:t>2020-11-22</a:t>
+              <a:t>2020-11-25</a:t>
             </a:fld>
             <a:endParaRPr lang="ko-KR" altLang="en-US"/>
           </a:p>
@@ -1817,7 +1817,7 @@
           <a:p>
             <a:fld id="{96E9B245-2076-40CB-ACDE-D58775C98695}" type="datetimeFigureOut">
               <a:rPr lang="ko-KR" altLang="en-US" smtClean="0"/>
-              <a:t>2020-11-22</a:t>
+              <a:t>2020-11-25</a:t>
             </a:fld>
             <a:endParaRPr lang="ko-KR" altLang="en-US"/>
           </a:p>
@@ -1958,7 +1958,7 @@
           <a:p>
             <a:fld id="{96E9B245-2076-40CB-ACDE-D58775C98695}" type="datetimeFigureOut">
               <a:rPr lang="ko-KR" altLang="en-US" smtClean="0"/>
-              <a:t>2020-11-22</a:t>
+              <a:t>2020-11-25</a:t>
             </a:fld>
             <a:endParaRPr lang="ko-KR" altLang="en-US"/>
           </a:p>
@@ -2071,7 +2071,7 @@
           <a:p>
             <a:fld id="{96E9B245-2076-40CB-ACDE-D58775C98695}" type="datetimeFigureOut">
               <a:rPr lang="ko-KR" altLang="en-US" smtClean="0"/>
-              <a:t>2020-11-22</a:t>
+              <a:t>2020-11-25</a:t>
             </a:fld>
             <a:endParaRPr lang="ko-KR" altLang="en-US"/>
           </a:p>
@@ -2382,7 +2382,7 @@
           <a:p>
             <a:fld id="{96E9B245-2076-40CB-ACDE-D58775C98695}" type="datetimeFigureOut">
               <a:rPr lang="ko-KR" altLang="en-US" smtClean="0"/>
-              <a:t>2020-11-22</a:t>
+              <a:t>2020-11-25</a:t>
             </a:fld>
             <a:endParaRPr lang="ko-KR" altLang="en-US"/>
           </a:p>
@@ -2670,7 +2670,7 @@
           <a:p>
             <a:fld id="{96E9B245-2076-40CB-ACDE-D58775C98695}" type="datetimeFigureOut">
               <a:rPr lang="ko-KR" altLang="en-US" smtClean="0"/>
-              <a:t>2020-11-22</a:t>
+              <a:t>2020-11-25</a:t>
             </a:fld>
             <a:endParaRPr lang="ko-KR" altLang="en-US"/>
           </a:p>
@@ -2911,7 +2911,7 @@
           <a:p>
             <a:fld id="{96E9B245-2076-40CB-ACDE-D58775C98695}" type="datetimeFigureOut">
               <a:rPr lang="ko-KR" altLang="en-US" smtClean="0"/>
-              <a:t>2020-11-22</a:t>
+              <a:t>2020-11-25</a:t>
             </a:fld>
             <a:endParaRPr lang="ko-KR" altLang="en-US"/>
           </a:p>
@@ -3501,6 +3501,71 @@
               <a:t>:</a:t>
             </a:r>
             <a:r>
+              <a:rPr lang="ko-KR" altLang="en-US" dirty="0">
+                <a:solidFill>
+                  <a:schemeClr val="tx1">
+                    <a:lumMod val="85000"/>
+                    <a:lumOff val="15000"/>
+                  </a:schemeClr>
+                </a:solidFill>
+                <a:latin typeface="HY헤드라인M" panose="02030600000101010101" pitchFamily="18" charset="-127"/>
+                <a:ea typeface="HY헤드라인M" panose="02030600000101010101" pitchFamily="18" charset="-127"/>
+              </a:rPr>
+              <a:t>최부승</a:t>
+            </a:r>
+            <a:r>
+              <a:rPr lang="en-US" altLang="ko-KR" dirty="0">
+                <a:solidFill>
+                  <a:schemeClr val="tx1">
+                    <a:lumMod val="85000"/>
+                    <a:lumOff val="15000"/>
+                  </a:schemeClr>
+                </a:solidFill>
+                <a:latin typeface="HY헤드라인M" panose="02030600000101010101" pitchFamily="18" charset="-127"/>
+                <a:ea typeface="HY헤드라인M" panose="02030600000101010101" pitchFamily="18" charset="-127"/>
+              </a:rPr>
+              <a:t>(</a:t>
+            </a:r>
+            <a:r>
+              <a:rPr lang="ko-KR" altLang="en-US" dirty="0">
+                <a:solidFill>
+                  <a:schemeClr val="tx1">
+                    <a:lumMod val="85000"/>
+                    <a:lumOff val="15000"/>
+                  </a:schemeClr>
+                </a:solidFill>
+                <a:latin typeface="HY헤드라인M" panose="02030600000101010101" pitchFamily="18" charset="-127"/>
+                <a:ea typeface="HY헤드라인M" panose="02030600000101010101" pitchFamily="18" charset="-127"/>
+              </a:rPr>
+              <a:t>대전 </a:t>
+            </a:r>
+            <a:r>
+              <a:rPr lang="ko-KR" altLang="en-US" dirty="0" err="1">
+                <a:solidFill>
+                  <a:schemeClr val="tx1">
+                    <a:lumMod val="85000"/>
+                    <a:lumOff val="15000"/>
+                  </a:schemeClr>
+                </a:solidFill>
+                <a:latin typeface="HY헤드라인M" panose="02030600000101010101" pitchFamily="18" charset="-127"/>
+                <a:ea typeface="HY헤드라인M" panose="02030600000101010101" pitchFamily="18" charset="-127"/>
+              </a:rPr>
+              <a:t>외삼중</a:t>
+            </a:r>
+            <a:r>
+              <a:rPr lang="en-US" altLang="ko-KR" dirty="0">
+                <a:solidFill>
+                  <a:schemeClr val="tx1">
+                    <a:lumMod val="85000"/>
+                    <a:lumOff val="15000"/>
+                  </a:schemeClr>
+                </a:solidFill>
+                <a:latin typeface="HY헤드라인M" panose="02030600000101010101" pitchFamily="18" charset="-127"/>
+                <a:ea typeface="HY헤드라인M" panose="02030600000101010101" pitchFamily="18" charset="-127"/>
+              </a:rPr>
+              <a:t>)</a:t>
+            </a:r>
+            <a:r>
               <a:rPr lang="en-US" altLang="ko-KR" dirty="0">
                 <a:solidFill>
                   <a:schemeClr val="tx1">
@@ -4464,72 +4529,28 @@
           <a:bodyPr rtlCol="0" anchor="ctr"/>
           <a:lstStyle/>
           <a:p>
-            <a:pPr algn="ctr"/>
-            <a:endParaRPr lang="ko-KR" altLang="en-US">
+            <a:r>
+              <a:rPr lang="ko-KR" altLang="en-US" dirty="0">
+                <a:solidFill>
+                  <a:schemeClr val="accent1"/>
+                </a:solidFill>
+              </a:rPr>
+              <a:t>자신과 닮은 사람을 찾을 때 이용할 수도 있을 것 같다</a:t>
+            </a:r>
+            <a:r>
+              <a:rPr lang="en-US" altLang="ko-KR" dirty="0">
+                <a:solidFill>
+                  <a:schemeClr val="accent1"/>
+                </a:solidFill>
+              </a:rPr>
+              <a:t>.</a:t>
+            </a:r>
+          </a:p>
+          <a:p>
+            <a:endParaRPr lang="en-US" altLang="ko-KR" dirty="0">
               <a:solidFill>
                 <a:schemeClr val="accent1"/>
               </a:solidFill>
-            </a:endParaRPr>
-          </a:p>
-        </p:txBody>
-      </p:sp>
-      <p:sp>
-        <p:nvSpPr>
-          <p:cNvPr id="2" name="TextBox 1">
-            <a:extLst>
-              <a:ext uri="{FF2B5EF4-FFF2-40B4-BE49-F238E27FC236}">
-                <a16:creationId xmlns:a16="http://schemas.microsoft.com/office/drawing/2014/main" id="{565C7E9F-8E6B-44C1-BE58-13CA3A1E003B}"/>
-              </a:ext>
-            </a:extLst>
-          </p:cNvPr>
-          <p:cNvSpPr txBox="1"/>
-          <p:nvPr/>
-        </p:nvSpPr>
-        <p:spPr>
-          <a:xfrm>
-            <a:off x="376334" y="3522306"/>
-            <a:ext cx="11439332" cy="338554"/>
-          </a:xfrm>
-          <a:prstGeom prst="rect">
-            <a:avLst/>
-          </a:prstGeom>
-          <a:noFill/>
-        </p:spPr>
-        <p:txBody>
-          <a:bodyPr wrap="square" rtlCol="0">
-            <a:spAutoFit/>
-          </a:bodyPr>
-          <a:lstStyle/>
-          <a:p>
-            <a:r>
-              <a:rPr lang="ko-KR" altLang="en-US" sz="1600" dirty="0">
-                <a:solidFill>
-                  <a:schemeClr val="bg2">
-                    <a:lumMod val="90000"/>
-                  </a:schemeClr>
-                </a:solidFill>
-                <a:latin typeface="+mn-ea"/>
-              </a:rPr>
-              <a:t>여기에 아이디어를 자유롭게 작성해보세요</a:t>
-            </a:r>
-            <a:r>
-              <a:rPr lang="en-US" altLang="ko-KR" sz="1600" dirty="0">
-                <a:solidFill>
-                  <a:schemeClr val="bg2">
-                    <a:lumMod val="90000"/>
-                  </a:schemeClr>
-                </a:solidFill>
-                <a:latin typeface="+mn-ea"/>
-              </a:rPr>
-              <a:t>.</a:t>
-            </a:r>
-            <a:endParaRPr lang="ko-KR" altLang="en-US" sz="1600" dirty="0">
-              <a:solidFill>
-                <a:schemeClr val="bg2">
-                  <a:lumMod val="90000"/>
-                </a:schemeClr>
-              </a:solidFill>
-              <a:latin typeface="+mn-ea"/>
             </a:endParaRPr>
           </a:p>
         </p:txBody>
@@ -4643,8 +4664,8 @@
         </p:nvSpPr>
         <p:spPr>
           <a:xfrm>
-            <a:off x="376335" y="1077942"/>
-            <a:ext cx="11439332" cy="1077218"/>
+            <a:off x="376334" y="1077942"/>
+            <a:ext cx="11439332" cy="1323439"/>
           </a:xfrm>
           <a:prstGeom prst="rect">
             <a:avLst/>
@@ -4657,6 +4678,21 @@
           </a:bodyPr>
           <a:lstStyle/>
           <a:p>
+            <a:pPr marL="342900" indent="-342900">
+              <a:buAutoNum type="arabicPeriod"/>
+            </a:pPr>
+            <a:r>
+              <a:rPr lang="ko-KR" altLang="en-US" sz="1600" dirty="0">
+                <a:solidFill>
+                  <a:schemeClr val="tx1">
+                    <a:lumMod val="85000"/>
+                    <a:lumOff val="15000"/>
+                  </a:schemeClr>
+                </a:solidFill>
+                <a:latin typeface="+mn-ea"/>
+              </a:rPr>
+              <a:t>개발한 웹 애플리케이션의 이름은</a:t>
+            </a:r>
             <a:r>
               <a:rPr lang="en-US" altLang="ko-KR" sz="1600" dirty="0">
                 <a:solidFill>
@@ -4667,7 +4703,21 @@
                 </a:solidFill>
                 <a:latin typeface="+mn-ea"/>
               </a:rPr>
-              <a:t>1. </a:t>
+              <a:t>?</a:t>
+            </a:r>
+          </a:p>
+          <a:p>
+            <a:r>
+              <a:rPr lang="en-US" altLang="ko-KR" sz="1600" dirty="0">
+                <a:solidFill>
+                  <a:schemeClr val="tx1">
+                    <a:lumMod val="85000"/>
+                    <a:lumOff val="15000"/>
+                  </a:schemeClr>
+                </a:solidFill>
+                <a:latin typeface="+mn-ea"/>
+              </a:rPr>
+              <a:t>9(</a:t>
             </a:r>
             <a:r>
               <a:rPr lang="ko-KR" altLang="en-US" sz="1600" dirty="0">
@@ -4679,7 +4729,7 @@
                 </a:solidFill>
                 <a:latin typeface="+mn-ea"/>
               </a:rPr>
-              <a:t>개발한 웹 애플리케이션의 이름은</a:t>
+              <a:t>영어로 읽기</a:t>
             </a:r>
             <a:r>
               <a:rPr lang="en-US" altLang="ko-KR" sz="1600" dirty="0">
@@ -4691,9 +4741,46 @@
                 </a:solidFill>
                 <a:latin typeface="+mn-ea"/>
               </a:rPr>
-              <a:t>?</a:t>
-            </a:r>
-            <a:br>
+              <a:t>)</a:t>
+            </a:r>
+            <a:r>
+              <a:rPr lang="ko-KR" altLang="en-US" sz="1600" dirty="0">
+                <a:solidFill>
+                  <a:schemeClr val="tx1">
+                    <a:lumMod val="85000"/>
+                    <a:lumOff val="15000"/>
+                  </a:schemeClr>
+                </a:solidFill>
+                <a:latin typeface="+mn-ea"/>
+              </a:rPr>
+              <a:t>식</a:t>
+            </a:r>
+            <a:endParaRPr lang="en-US" altLang="ko-KR" sz="1600" dirty="0">
+              <a:solidFill>
+                <a:schemeClr val="tx1">
+                  <a:lumMod val="85000"/>
+                  <a:lumOff val="15000"/>
+                </a:schemeClr>
+              </a:solidFill>
+              <a:latin typeface="+mn-ea"/>
+            </a:endParaRPr>
+          </a:p>
+          <a:p>
+            <a:pPr marL="342900" indent="-342900">
+              <a:buAutoNum type="arabicPeriod"/>
+            </a:pPr>
+            <a:endParaRPr lang="en-US" altLang="ko-KR" sz="1600" dirty="0">
+              <a:solidFill>
+                <a:schemeClr val="tx1">
+                  <a:lumMod val="85000"/>
+                  <a:lumOff val="15000"/>
+                </a:schemeClr>
+              </a:solidFill>
+              <a:latin typeface="+mn-ea"/>
+            </a:endParaRPr>
+          </a:p>
+          <a:p>
+            <a:r>
               <a:rPr lang="en-US" altLang="ko-KR" sz="1600" dirty="0">
                 <a:solidFill>
                   <a:schemeClr val="tx1">
@@ -4703,8 +4790,21 @@
                 </a:solidFill>
                 <a:latin typeface="+mn-ea"/>
               </a:rPr>
-            </a:br>
-            <a:br>
+              <a:t>2. </a:t>
+            </a:r>
+            <a:r>
+              <a:rPr lang="ko-KR" altLang="en-US" sz="1600" dirty="0">
+                <a:solidFill>
+                  <a:schemeClr val="tx1">
+                    <a:lumMod val="85000"/>
+                    <a:lumOff val="15000"/>
+                  </a:schemeClr>
+                </a:solidFill>
+                <a:latin typeface="+mn-ea"/>
+              </a:rPr>
+              <a:t>생성한 모델에 대해서 설명하세요</a:t>
+            </a:r>
+            <a:r>
               <a:rPr lang="en-US" altLang="ko-KR" sz="1600" dirty="0">
                 <a:solidFill>
                   <a:schemeClr val="tx1">
@@ -4714,8 +4814,23 @@
                 </a:solidFill>
                 <a:latin typeface="+mn-ea"/>
               </a:rPr>
-            </a:br>
-            <a:br>
+              <a:t>.</a:t>
+            </a:r>
+          </a:p>
+          <a:p>
+            <a:r>
+              <a:rPr lang="ko-KR" altLang="en-US" sz="1600" dirty="0">
+                <a:solidFill>
+                  <a:schemeClr val="tx1">
+                    <a:lumMod val="85000"/>
+                    <a:lumOff val="15000"/>
+                  </a:schemeClr>
+                </a:solidFill>
+                <a:latin typeface="+mn-ea"/>
+              </a:rPr>
+              <a:t>내가 있을 때와 없을 때의 사진을 분석해서 현재 어떤 상태인지 표시해준다</a:t>
+            </a:r>
+            <a:r>
               <a:rPr lang="en-US" altLang="ko-KR" sz="1600" dirty="0">
                 <a:solidFill>
                   <a:schemeClr val="tx1">
@@ -4725,18 +4840,7 @@
                 </a:solidFill>
                 <a:latin typeface="+mn-ea"/>
               </a:rPr>
-            </a:br>
-            <a:r>
-              <a:rPr lang="en-US" altLang="ko-KR" sz="1600" dirty="0">
-                <a:solidFill>
-                  <a:schemeClr val="tx1">
-                    <a:lumMod val="85000"/>
-                    <a:lumOff val="15000"/>
-                  </a:schemeClr>
-                </a:solidFill>
-                <a:latin typeface="+mn-ea"/>
-              </a:rPr>
-              <a:t>2. </a:t>
+              <a:t>.</a:t>
             </a:r>
             <a:r>
               <a:rPr lang="ko-KR" altLang="en-US" sz="1600" dirty="0">
@@ -4748,21 +4852,9 @@
                 </a:solidFill>
                 <a:latin typeface="+mn-ea"/>
               </a:rPr>
-              <a:t>생성한 모델에 대해서 설명하세요</a:t>
-            </a:r>
-            <a:r>
-              <a:rPr lang="en-US" altLang="ko-KR" sz="1600" dirty="0">
-                <a:solidFill>
-                  <a:schemeClr val="tx1">
-                    <a:lumMod val="85000"/>
-                    <a:lumOff val="15000"/>
-                  </a:schemeClr>
-                </a:solidFill>
-                <a:latin typeface="+mn-ea"/>
-              </a:rPr>
-              <a:t>.</a:t>
-            </a:r>
-            <a:endParaRPr lang="ko-KR" altLang="en-US" sz="1600" dirty="0">
+              <a:t> </a:t>
+            </a:r>
+            <a:endParaRPr lang="en-US" altLang="ko-KR" sz="1600" dirty="0">
               <a:solidFill>
                 <a:schemeClr val="tx1">
                   <a:lumMod val="85000"/>
@@ -4971,7 +5063,31 @@
                 </a:solidFill>
                 <a:latin typeface="+mn-ea"/>
               </a:rPr>
-              <a:t>: https://</a:t>
+              <a:t>:</a:t>
+            </a:r>
+            <a:r>
+              <a:rPr lang="en-US" altLang="ko-KR" sz="2000" b="0" i="0" u="none" strike="noStrike" dirty="0">
+                <a:effectLst/>
+                <a:latin typeface="-apple-system"/>
+                <a:hlinkClick r:id="rId2"/>
+              </a:rPr>
+              <a:t>https://junny200679.github.io/</a:t>
+            </a:r>
+            <a:r>
+              <a:rPr lang="en-US" altLang="ko-KR" sz="2000" b="0" i="0" u="none" strike="noStrike" dirty="0" err="1">
+                <a:effectLst/>
+                <a:latin typeface="-apple-system"/>
+                <a:hlinkClick r:id="rId2"/>
+              </a:rPr>
+              <a:t>learn_tm</a:t>
+            </a:r>
+            <a:r>
+              <a:rPr lang="en-US" altLang="ko-KR" sz="2000" b="0" i="0" u="none" strike="noStrike" dirty="0">
+                <a:effectLst/>
+                <a:latin typeface="-apple-system"/>
+                <a:hlinkClick r:id="rId2"/>
+              </a:rPr>
+              <a:t>/</a:t>
             </a:r>
             <a:endParaRPr lang="ko-KR" altLang="en-US" sz="2000" dirty="0">
               <a:solidFill>
